--- a/doc/Build2-project-presentation.pptx
+++ b/doc/Build2-project-presentation.pptx
@@ -116,7 +116,7 @@
   </p:defaultTextStyle>
   <p:extLst>
     <p:ext uri="{EFAFB233-063F-42B5-8137-9DF3F51BA10A}">
-      <p15:sldGuideLst xmlns:p15="http://schemas.microsoft.com/office/powerpoint/2012/main">
+      <p15:sldGuideLst xmlns:p15="http://schemas.microsoft.com/office/powerpoint/2012/main" xmlns="">
         <p15:guide id="1" orient="horz" pos="2160">
           <p15:clr>
             <a:srgbClr val="A4A3A4"/>
@@ -313,7 +313,7 @@
             <a:fld id="{1D8BD707-D9CF-40AE-B4C6-C98DA3205C09}" type="datetimeFigureOut">
               <a:rPr lang="en-US" smtClean="0"/>
               <a:pPr/>
-              <a:t>3/25/2021</a:t>
+              <a:t>25-Mar-21</a:t>
             </a:fld>
             <a:endParaRPr lang="en-US"/>
           </a:p>
@@ -478,7 +478,7 @@
             <a:fld id="{1D8BD707-D9CF-40AE-B4C6-C98DA3205C09}" type="datetimeFigureOut">
               <a:rPr lang="en-US" smtClean="0"/>
               <a:pPr/>
-              <a:t>3/25/2021</a:t>
+              <a:t>25-Mar-21</a:t>
             </a:fld>
             <a:endParaRPr lang="en-US"/>
           </a:p>
@@ -653,7 +653,7 @@
             <a:fld id="{1D8BD707-D9CF-40AE-B4C6-C98DA3205C09}" type="datetimeFigureOut">
               <a:rPr lang="en-US" smtClean="0"/>
               <a:pPr/>
-              <a:t>3/25/2021</a:t>
+              <a:t>25-Mar-21</a:t>
             </a:fld>
             <a:endParaRPr lang="en-US"/>
           </a:p>
@@ -818,7 +818,7 @@
             <a:fld id="{1D8BD707-D9CF-40AE-B4C6-C98DA3205C09}" type="datetimeFigureOut">
               <a:rPr lang="en-US" smtClean="0"/>
               <a:pPr/>
-              <a:t>3/25/2021</a:t>
+              <a:t>25-Mar-21</a:t>
             </a:fld>
             <a:endParaRPr lang="en-US"/>
           </a:p>
@@ -1060,7 +1060,7 @@
             <a:fld id="{1D8BD707-D9CF-40AE-B4C6-C98DA3205C09}" type="datetimeFigureOut">
               <a:rPr lang="en-US" smtClean="0"/>
               <a:pPr/>
-              <a:t>3/25/2021</a:t>
+              <a:t>25-Mar-21</a:t>
             </a:fld>
             <a:endParaRPr lang="en-US"/>
           </a:p>
@@ -1342,7 +1342,7 @@
             <a:fld id="{1D8BD707-D9CF-40AE-B4C6-C98DA3205C09}" type="datetimeFigureOut">
               <a:rPr lang="en-US" smtClean="0"/>
               <a:pPr/>
-              <a:t>3/25/2021</a:t>
+              <a:t>25-Mar-21</a:t>
             </a:fld>
             <a:endParaRPr lang="en-US"/>
           </a:p>
@@ -1758,7 +1758,7 @@
             <a:fld id="{1D8BD707-D9CF-40AE-B4C6-C98DA3205C09}" type="datetimeFigureOut">
               <a:rPr lang="en-US" smtClean="0"/>
               <a:pPr/>
-              <a:t>3/25/2021</a:t>
+              <a:t>25-Mar-21</a:t>
             </a:fld>
             <a:endParaRPr lang="en-US"/>
           </a:p>
@@ -1872,7 +1872,7 @@
             <a:fld id="{1D8BD707-D9CF-40AE-B4C6-C98DA3205C09}" type="datetimeFigureOut">
               <a:rPr lang="en-US" smtClean="0"/>
               <a:pPr/>
-              <a:t>3/25/2021</a:t>
+              <a:t>25-Mar-21</a:t>
             </a:fld>
             <a:endParaRPr lang="en-US"/>
           </a:p>
@@ -1964,7 +1964,7 @@
             <a:fld id="{1D8BD707-D9CF-40AE-B4C6-C98DA3205C09}" type="datetimeFigureOut">
               <a:rPr lang="en-US" smtClean="0"/>
               <a:pPr/>
-              <a:t>3/25/2021</a:t>
+              <a:t>25-Mar-21</a:t>
             </a:fld>
             <a:endParaRPr lang="en-US"/>
           </a:p>
@@ -2236,7 +2236,7 @@
             <a:fld id="{1D8BD707-D9CF-40AE-B4C6-C98DA3205C09}" type="datetimeFigureOut">
               <a:rPr lang="en-US" smtClean="0"/>
               <a:pPr/>
-              <a:t>3/25/2021</a:t>
+              <a:t>25-Mar-21</a:t>
             </a:fld>
             <a:endParaRPr lang="en-US"/>
           </a:p>
@@ -2485,7 +2485,7 @@
             <a:fld id="{1D8BD707-D9CF-40AE-B4C6-C98DA3205C09}" type="datetimeFigureOut">
               <a:rPr lang="en-US" smtClean="0"/>
               <a:pPr/>
-              <a:t>3/25/2021</a:t>
+              <a:t>25-Mar-21</a:t>
             </a:fld>
             <a:endParaRPr lang="en-US"/>
           </a:p>
@@ -2693,7 +2693,7 @@
             <a:fld id="{1D8BD707-D9CF-40AE-B4C6-C98DA3205C09}" type="datetimeFigureOut">
               <a:rPr lang="en-US" smtClean="0"/>
               <a:pPr/>
-              <a:t>3/25/2021</a:t>
+              <a:t>25-Mar-21</a:t>
             </a:fld>
             <a:endParaRPr lang="en-US"/>
           </a:p>
@@ -3116,6 +3116,14 @@
                 </a:solidFill>
               </a:rPr>
             </a:br>
+            <a:r>
+              <a:rPr lang="en-US" b="1" dirty="0">
+                <a:solidFill>
+                  <a:srgbClr val="FF0000"/>
+                </a:solidFill>
+              </a:rPr>
+              <a:t/>
+            </a:r>
             <a:br>
               <a:rPr lang="en-US" b="1" dirty="0">
                 <a:solidFill>
@@ -3182,8 +3190,21 @@
                   <a:schemeClr val="tx1"/>
                 </a:solidFill>
               </a:rPr>
-              <a:t>Build 1</a:t>
-            </a:r>
+              <a:t>Build </a:t>
+            </a:r>
+            <a:r>
+              <a:rPr lang="en-US" b="1" dirty="0" smtClean="0">
+                <a:solidFill>
+                  <a:schemeClr val="tx1"/>
+                </a:solidFill>
+              </a:rPr>
+              <a:t>2</a:t>
+            </a:r>
+            <a:endParaRPr lang="en-US" b="1" dirty="0">
+              <a:solidFill>
+                <a:schemeClr val="tx1"/>
+              </a:solidFill>
+            </a:endParaRPr>
           </a:p>
         </p:txBody>
       </p:sp>
@@ -3489,6 +3510,10 @@
             <a:br>
               <a:rPr lang="en-US" sz="3000" b="1" dirty="0"/>
             </a:br>
+            <a:r>
+              <a:rPr lang="en-US" sz="3000" b="1" dirty="0"/>
+              <a:t/>
+            </a:r>
             <a:br>
               <a:rPr lang="en-US" sz="3000" b="1" dirty="0"/>
             </a:br>
@@ -3507,6 +3532,10 @@
             <a:br>
               <a:rPr lang="en-US" sz="3300" dirty="0"/>
             </a:br>
+            <a:r>
+              <a:rPr lang="en-US" sz="3300" dirty="0"/>
+              <a:t/>
+            </a:r>
             <a:br>
               <a:rPr lang="en-US" sz="3300" dirty="0"/>
             </a:br>
@@ -3518,12 +3547,24 @@
               <a:rPr lang="en-US" sz="3300" dirty="0"/>
               <a:t> Behavioral design pattern which uses an object to represent and encapsulate all information needed to call a method at a later time.</a:t>
             </a:r>
+            <a:r>
+              <a:rPr lang="en-US" sz="3000" b="1" dirty="0"/>
+              <a:t/>
+            </a:r>
             <a:br>
               <a:rPr lang="en-US" sz="3000" b="1" dirty="0"/>
             </a:br>
+            <a:r>
+              <a:rPr lang="en-US" sz="3000" b="1" dirty="0"/>
+              <a:t/>
+            </a:r>
             <a:br>
               <a:rPr lang="en-US" sz="3000" b="1" dirty="0"/>
             </a:br>
+            <a:r>
+              <a:rPr lang="en-US" sz="3000" b="1" dirty="0"/>
+              <a:t/>
+            </a:r>
             <a:br>
               <a:rPr lang="en-US" sz="3000" b="1" dirty="0"/>
             </a:br>
@@ -4491,7 +4532,7 @@
           <p:cNvPr id="2" name="Title 1">
             <a:extLst>
               <a:ext uri="{FF2B5EF4-FFF2-40B4-BE49-F238E27FC236}">
-                <a16:creationId xmlns:a16="http://schemas.microsoft.com/office/drawing/2014/main" id="{71656563-541D-441C-A2B2-DB02F9D5BC07}"/>
+                <a16:creationId xmlns:a16="http://schemas.microsoft.com/office/drawing/2014/main" xmlns="" id="{71656563-541D-441C-A2B2-DB02F9D5BC07}"/>
               </a:ext>
             </a:extLst>
           </p:cNvPr>
@@ -4510,7 +4551,7 @@
           <a:lstStyle/>
           <a:p>
             <a:r>
-              <a:rPr lang="en-US" sz="4300" dirty="0">
+              <a:rPr lang="en-US" sz="4300" b="1" dirty="0">
                 <a:solidFill>
                   <a:srgbClr val="FF0000"/>
                 </a:solidFill>
@@ -4518,14 +4559,14 @@
               <a:t>Command Pattern </a:t>
             </a:r>
             <a:r>
-              <a:rPr lang="en-US" sz="4300" dirty="0" err="1">
+              <a:rPr lang="en-US" sz="4300" b="1" dirty="0" smtClean="0">
                 <a:solidFill>
                   <a:srgbClr val="FF0000"/>
                 </a:solidFill>
               </a:rPr>
-              <a:t>Implemnetation</a:t>
-            </a:r>
-            <a:endParaRPr lang="en-US" sz="4300" dirty="0">
+              <a:t>Implementation</a:t>
+            </a:r>
+            <a:endParaRPr lang="en-US" sz="4300" b="1" dirty="0">
               <a:solidFill>
                 <a:srgbClr val="FF0000"/>
               </a:solidFill>
@@ -4538,7 +4579,7 @@
           <p:cNvPr id="3" name="Content Placeholder 2">
             <a:extLst>
               <a:ext uri="{FF2B5EF4-FFF2-40B4-BE49-F238E27FC236}">
-                <a16:creationId xmlns:a16="http://schemas.microsoft.com/office/drawing/2014/main" id="{2306A2C1-B829-44DE-8D07-05CE6DB69E2A}"/>
+                <a16:creationId xmlns:a16="http://schemas.microsoft.com/office/drawing/2014/main" xmlns="" id="{2306A2C1-B829-44DE-8D07-05CE6DB69E2A}"/>
               </a:ext>
             </a:extLst>
           </p:cNvPr>
@@ -4580,7 +4621,7 @@
           <p:cNvPr id="7" name="Picture 6">
             <a:extLst>
               <a:ext uri="{FF2B5EF4-FFF2-40B4-BE49-F238E27FC236}">
-                <a16:creationId xmlns:a16="http://schemas.microsoft.com/office/drawing/2014/main" id="{2731FF13-FA67-4EA7-8BD6-CB791EEE47AE}"/>
+                <a16:creationId xmlns:a16="http://schemas.microsoft.com/office/drawing/2014/main" xmlns="" id="{2731FF13-FA67-4EA7-8BD6-CB791EEE47AE}"/>
               </a:ext>
             </a:extLst>
           </p:cNvPr>
@@ -4590,7 +4631,7 @@
           <p:nvPr/>
         </p:nvPicPr>
         <p:blipFill>
-          <a:blip r:embed="rId2"/>
+          <a:blip r:embed="rId2" cstate="print"/>
           <a:stretch>
             <a:fillRect/>
           </a:stretch>
@@ -4608,7 +4649,7 @@
     </p:spTree>
     <p:extLst>
       <p:ext uri="{BB962C8B-B14F-4D97-AF65-F5344CB8AC3E}">
-        <p14:creationId xmlns:p14="http://schemas.microsoft.com/office/powerpoint/2010/main" val="894861686"/>
+        <p14:creationId xmlns:p14="http://schemas.microsoft.com/office/powerpoint/2010/main" xmlns="" val="894861686"/>
       </p:ext>
     </p:extLst>
   </p:cSld>
